--- a/.lessons/Servers/3 LAMP & LNMP/1.pptx
+++ b/.lessons/Servers/3 LAMP & LNMP/1.pptx
@@ -6545,7 +6545,7 @@
         <p:spPr>
           <a:xfrm>
             <a:off x="203200" y="244826"/>
-            <a:ext cx="11822545" cy="1661993"/>
+            <a:ext cx="11822545" cy="2123658"/>
           </a:xfrm>
           <a:prstGeom prst="rect">
             <a:avLst/>
@@ -6570,7 +6570,7 @@
           <a:p>
             <a:pPr marL="628650" lvl="1" indent="-171450">
               <a:lnSpc>
-                <a:spcPct val="150000"/>
+                <a:spcPct val="200000"/>
               </a:lnSpc>
               <a:buFont typeface="Wingdings" panose="05000000000000000000" pitchFamily="2" charset="2"/>
               <a:buChar char="q"/>
@@ -6587,7 +6587,7 @@
           <a:p>
             <a:pPr marL="628650" lvl="1" indent="-171450">
               <a:lnSpc>
-                <a:spcPct val="150000"/>
+                <a:spcPct val="200000"/>
               </a:lnSpc>
               <a:buFont typeface="Wingdings" panose="05000000000000000000" pitchFamily="2" charset="2"/>
               <a:buChar char="q"/>
@@ -6604,7 +6604,7 @@
           <a:p>
             <a:pPr marL="628650" lvl="1" indent="-171450">
               <a:lnSpc>
-                <a:spcPct val="150000"/>
+                <a:spcPct val="200000"/>
               </a:lnSpc>
               <a:buFont typeface="Wingdings" panose="05000000000000000000" pitchFamily="2" charset="2"/>
               <a:buChar char="q"/>
@@ -6620,7 +6620,49 @@
             <a:endParaRPr lang="az-Latn-AZ" sz="1200"/>
           </a:p>
           <a:p>
-            <a:endParaRPr lang="az-Latn-AZ" sz="1200"/>
+            <a:pPr marL="628650" lvl="1" indent="-171450">
+              <a:lnSpc>
+                <a:spcPct val="200000"/>
+              </a:lnSpc>
+              <a:buFont typeface="Wingdings" panose="05000000000000000000" pitchFamily="2" charset="2"/>
+              <a:buChar char="q"/>
+            </a:pPr>
+            <a:r>
+              <a:rPr lang="az-Latn-AZ" sz="1200"/>
+              <a:t>Server resurslarını izləmək üçün </a:t>
+            </a:r>
+            <a:r>
+              <a:rPr lang="az-Latn-AZ" sz="1200" b="1"/>
+              <a:t>top</a:t>
+            </a:r>
+            <a:r>
+              <a:rPr lang="az-Latn-AZ" sz="1200"/>
+              <a:t>, </a:t>
+            </a:r>
+            <a:r>
+              <a:rPr lang="az-Latn-AZ" sz="1200" b="1"/>
+              <a:t>htop</a:t>
+            </a:r>
+            <a:r>
+              <a:rPr lang="az-Latn-AZ" sz="1200"/>
+              <a:t>, </a:t>
+            </a:r>
+            <a:r>
+              <a:rPr lang="az-Latn-AZ" sz="1200" b="1"/>
+              <a:t>netstat</a:t>
+            </a:r>
+            <a:r>
+              <a:rPr lang="az-Latn-AZ" sz="1200"/>
+              <a:t> və ya </a:t>
+            </a:r>
+            <a:r>
+              <a:rPr lang="az-Latn-AZ" sz="1200" b="1"/>
+              <a:t>nload</a:t>
+            </a:r>
+            <a:r>
+              <a:rPr lang="az-Latn-AZ" sz="1200"/>
+              <a:t> kimi alətlərdən istifadə et</a:t>
+            </a:r>
           </a:p>
           <a:p>
             <a:endParaRPr lang="az-Latn-AZ" sz="1200"/>
